--- a/Slide/ĐỒ ÁN LẬP TRÌNH HỆ THỐNG VỚI JAVA.pptx
+++ b/Slide/ĐỒ ÁN LẬP TRÌNH HỆ THỐNG VỚI JAVA.pptx
@@ -7711,6 +7711,13 @@
               </a:rPr>
               <a:t> voice chat</a:t>
             </a:r>
+            <a:r>
+              <a:rPr lang="vi-VN" b="1" i="1" dirty="0">
+                <a:latin typeface="Times New Roman" panose="02020603050405020304" pitchFamily="18" charset="0"/>
+                <a:cs typeface="Times New Roman" panose="02020603050405020304" pitchFamily="18" charset="0"/>
+              </a:rPr>
+              <a:t/>
+            </a:r>
             <a:br>
               <a:rPr lang="vi-VN" b="1" i="1" dirty="0">
                 <a:latin typeface="Times New Roman" panose="02020603050405020304" pitchFamily="18" charset="0"/>
@@ -7784,8 +7791,26 @@
                 <a:latin typeface="Times New Roman" panose="02020603050405020304" pitchFamily="18" charset="0"/>
                 <a:cs typeface="Times New Roman" panose="02020603050405020304" pitchFamily="18" charset="0"/>
               </a:rPr>
-              <a:t>Võ Nguyễn Thiên Phúc</a:t>
-            </a:r>
+              <a:t>Võ Nguyễn </a:t>
+            </a:r>
+            <a:r>
+              <a:rPr lang="en-US" sz="2800" b="1" i="1">
+                <a:latin typeface="Times New Roman" panose="02020603050405020304" pitchFamily="18" charset="0"/>
+                <a:cs typeface="Times New Roman" panose="02020603050405020304" pitchFamily="18" charset="0"/>
+              </a:rPr>
+              <a:t>Thiên </a:t>
+            </a:r>
+            <a:r>
+              <a:rPr lang="en-US" sz="2800" b="1" i="1" smtClean="0">
+                <a:latin typeface="Times New Roman" panose="02020603050405020304" pitchFamily="18" charset="0"/>
+                <a:cs typeface="Times New Roman" panose="02020603050405020304" pitchFamily="18" charset="0"/>
+              </a:rPr>
+              <a:t>Phúc.</a:t>
+            </a:r>
+            <a:endParaRPr lang="en-US" sz="2800" b="1" i="1" dirty="0">
+              <a:latin typeface="Times New Roman" panose="02020603050405020304" pitchFamily="18" charset="0"/>
+              <a:cs typeface="Times New Roman" panose="02020603050405020304" pitchFamily="18" charset="0"/>
+            </a:endParaRPr>
           </a:p>
           <a:p>
             <a:pPr marL="457200" indent="-457200">
@@ -9290,7 +9315,7 @@
     </a:clrScheme>
     <a:fontScheme name="Wisp">
       <a:majorFont>
-        <a:latin typeface="Century Gothic" panose="020B0502020202020204"/>
+        <a:latin typeface="Century Gothic"/>
         <a:ea typeface=""/>
         <a:cs typeface=""/>
         <a:font script="Jpan" typeface="メイリオ"/>
@@ -9325,7 +9350,7 @@
         <a:font script="Geor" typeface="Sylfaen"/>
       </a:majorFont>
       <a:minorFont>
-        <a:latin typeface="Century Gothic" panose="020B0502020202020204"/>
+        <a:latin typeface="Century Gothic"/>
         <a:ea typeface=""/>
         <a:cs typeface=""/>
         <a:font script="Jpan" typeface="メイリオ"/>
@@ -9484,7 +9509,7 @@
   <a:extraClrSchemeLst/>
   <a:extLst>
     <a:ext uri="{05A4C25C-085E-4340-85A3-A5531E510DB2}">
-      <thm15:themeFamily xmlns:thm15="http://schemas.microsoft.com/office/thememl/2012/main" name="Wisp" id="{7CB32D59-10C0-40DD-B7BD-2E94284A981C}" vid="{24B1A44C-C006-48B2-A4D7-E5549B3D8CD4}"/>
+      <thm15:themeFamily xmlns:thm15="http://schemas.microsoft.com/office/thememl/2012/main" xmlns="" name="Wisp" id="{7CB32D59-10C0-40DD-B7BD-2E94284A981C}" vid="{24B1A44C-C006-48B2-A4D7-E5549B3D8CD4}"/>
     </a:ext>
   </a:extLst>
 </a:theme>

--- a/Slide/ĐỒ ÁN LẬP TRÌNH HỆ THỐNG VỚI JAVA.pptx
+++ b/Slide/ĐỒ ÁN LẬP TRÌNH HỆ THỐNG VỚI JAVA.pptx
@@ -7822,8 +7822,26 @@
                 <a:latin typeface="Times New Roman" panose="02020603050405020304" pitchFamily="18" charset="0"/>
                 <a:cs typeface="Times New Roman" panose="02020603050405020304" pitchFamily="18" charset="0"/>
               </a:rPr>
-              <a:t>Phạm Hữu Vinh</a:t>
-            </a:r>
+              <a:t>Phạm </a:t>
+            </a:r>
+            <a:r>
+              <a:rPr lang="en-US" sz="2800" b="1" i="1">
+                <a:latin typeface="Times New Roman" panose="02020603050405020304" pitchFamily="18" charset="0"/>
+                <a:cs typeface="Times New Roman" panose="02020603050405020304" pitchFamily="18" charset="0"/>
+              </a:rPr>
+              <a:t>Hữu </a:t>
+            </a:r>
+            <a:r>
+              <a:rPr lang="en-US" sz="2800" b="1" i="1" smtClean="0">
+                <a:latin typeface="Times New Roman" panose="02020603050405020304" pitchFamily="18" charset="0"/>
+                <a:cs typeface="Times New Roman" panose="02020603050405020304" pitchFamily="18" charset="0"/>
+              </a:rPr>
+              <a:t>Vinh.</a:t>
+            </a:r>
+            <a:endParaRPr lang="en-US" sz="2800" b="1" i="1" dirty="0">
+              <a:latin typeface="Times New Roman" panose="02020603050405020304" pitchFamily="18" charset="0"/>
+              <a:cs typeface="Times New Roman" panose="02020603050405020304" pitchFamily="18" charset="0"/>
+            </a:endParaRPr>
           </a:p>
           <a:p>
             <a:pPr marL="457200" indent="-457200">
@@ -9509,7 +9527,7 @@
   <a:extraClrSchemeLst/>
   <a:extLst>
     <a:ext uri="{05A4C25C-085E-4340-85A3-A5531E510DB2}">
-      <thm15:themeFamily xmlns:thm15="http://schemas.microsoft.com/office/thememl/2012/main" xmlns="" name="Wisp" id="{7CB32D59-10C0-40DD-B7BD-2E94284A981C}" vid="{24B1A44C-C006-48B2-A4D7-E5549B3D8CD4}"/>
+      <thm15:themeFamily xmlns="" xmlns:thm15="http://schemas.microsoft.com/office/thememl/2012/main" name="Wisp" id="{7CB32D59-10C0-40DD-B7BD-2E94284A981C}" vid="{24B1A44C-C006-48B2-A4D7-E5549B3D8CD4}"/>
     </a:ext>
   </a:extLst>
 </a:theme>

--- a/Slide/ĐỒ ÁN LẬP TRÌNH HỆ THỐNG VỚI JAVA.pptx
+++ b/Slide/ĐỒ ÁN LẬP TRÌNH HỆ THỐNG VỚI JAVA.pptx
@@ -7761,12 +7761,23 @@
               <a:t>Nhóm</a:t>
             </a:r>
             <a:r>
-              <a:rPr lang="en-US" sz="2800" b="1" i="1" dirty="0">
+              <a:rPr lang="en-US" sz="2800" b="1" i="1">
                 <a:latin typeface="Times New Roman" panose="02020603050405020304" pitchFamily="18" charset="0"/>
                 <a:cs typeface="Times New Roman" panose="02020603050405020304" pitchFamily="18" charset="0"/>
               </a:rPr>
               <a:t>: </a:t>
             </a:r>
+            <a:r>
+              <a:rPr lang="en-US" sz="2800" b="1" i="1" smtClean="0">
+                <a:latin typeface="Times New Roman" panose="02020603050405020304" pitchFamily="18" charset="0"/>
+                <a:cs typeface="Times New Roman" panose="02020603050405020304" pitchFamily="18" charset="0"/>
+              </a:rPr>
+              <a:t>inconsolable</a:t>
+            </a:r>
+            <a:endParaRPr lang="en-US" sz="2800" b="1" i="1" dirty="0">
+              <a:latin typeface="Times New Roman" panose="02020603050405020304" pitchFamily="18" charset="0"/>
+              <a:cs typeface="Times New Roman" panose="02020603050405020304" pitchFamily="18" charset="0"/>
+            </a:endParaRPr>
           </a:p>
           <a:p>
             <a:pPr marL="457200" indent="-457200">
@@ -7893,6 +7904,13 @@
   <p:clrMapOvr>
     <a:masterClrMapping/>
   </p:clrMapOvr>
+  <p:timing>
+    <p:tnLst>
+      <p:par>
+        <p:cTn id="1" dur="indefinite" restart="never" nodeType="tmRoot"/>
+      </p:par>
+    </p:tnLst>
+  </p:timing>
 </p:sld>
 </file>
 
@@ -8173,6 +8191,13 @@
   <p:clrMapOvr>
     <a:masterClrMapping/>
   </p:clrMapOvr>
+  <p:timing>
+    <p:tnLst>
+      <p:par>
+        <p:cTn id="1" dur="indefinite" restart="never" nodeType="tmRoot"/>
+      </p:par>
+    </p:tnLst>
+  </p:timing>
 </p:sld>
 </file>
 
@@ -8524,6 +8549,13 @@
   <p:clrMapOvr>
     <a:masterClrMapping/>
   </p:clrMapOvr>
+  <p:timing>
+    <p:tnLst>
+      <p:par>
+        <p:cTn id="1" dur="indefinite" restart="never" nodeType="tmRoot"/>
+      </p:par>
+    </p:tnLst>
+  </p:timing>
 </p:sld>
 </file>
 
@@ -8816,6 +8848,13 @@
   <p:clrMapOvr>
     <a:masterClrMapping/>
   </p:clrMapOvr>
+  <p:timing>
+    <p:tnLst>
+      <p:par>
+        <p:cTn id="1" dur="indefinite" restart="never" nodeType="tmRoot"/>
+      </p:par>
+    </p:tnLst>
+  </p:timing>
 </p:sld>
 </file>
 
@@ -9011,6 +9050,13 @@
   <p:clrMapOvr>
     <a:masterClrMapping/>
   </p:clrMapOvr>
+  <p:timing>
+    <p:tnLst>
+      <p:par>
+        <p:cTn id="1" dur="indefinite" restart="never" nodeType="tmRoot"/>
+      </p:par>
+    </p:tnLst>
+  </p:timing>
 </p:sld>
 </file>
 
@@ -9287,6 +9333,13 @@
   <p:clrMapOvr>
     <a:masterClrMapping/>
   </p:clrMapOvr>
+  <p:timing>
+    <p:tnLst>
+      <p:par>
+        <p:cTn id="1" dur="indefinite" restart="never" nodeType="tmRoot"/>
+      </p:par>
+    </p:tnLst>
+  </p:timing>
 </p:sld>
 </file>
 
@@ -9527,7 +9580,7 @@
   <a:extraClrSchemeLst/>
   <a:extLst>
     <a:ext uri="{05A4C25C-085E-4340-85A3-A5531E510DB2}">
-      <thm15:themeFamily xmlns="" xmlns:thm15="http://schemas.microsoft.com/office/thememl/2012/main" name="Wisp" id="{7CB32D59-10C0-40DD-B7BD-2E94284A981C}" vid="{24B1A44C-C006-48B2-A4D7-E5549B3D8CD4}"/>
+      <thm15:themeFamily xmlns:thm15="http://schemas.microsoft.com/office/thememl/2012/main" xmlns="" name="Wisp" id="{7CB32D59-10C0-40DD-B7BD-2E94284A981C}" vid="{24B1A44C-C006-48B2-A4D7-E5549B3D8CD4}"/>
     </a:ext>
   </a:extLst>
 </a:theme>
